--- a/UNDER DEVELOPMENT/OPAR Version 2/JESTER/SYTGT006_SYR_Navy_storage.pptx
+++ b/UNDER DEVELOPMENT/OPAR Version 2/JESTER/SYTGT006_SYR_Navy_storage.pptx
@@ -109,7 +109,7 @@
   </p:defaultTextStyle>
   <p:extLst>
     <p:ext uri="{EFAFB233-063F-42B5-8137-9DF3F51BA10A}">
-      <p15:sldGuideLst xmlns:p15="http://schemas.microsoft.com/office/powerpoint/2012/main">
+      <p15:sldGuideLst xmlns:p15="http://schemas.microsoft.com/office/powerpoint/2012/main" xmlns="">
         <p15:guide id="1" orient="horz" pos="1620">
           <p15:clr>
             <a:srgbClr val="A4A3A4"/>
@@ -209,7 +209,7 @@
             <a:fld id="{40637A30-8EE1-4060-9976-8832FC89EE34}" type="datetimeFigureOut">
               <a:rPr lang="nb-NO" smtClean="0"/>
               <a:pPr/>
-              <a:t>02.01.2022</a:t>
+              <a:t>09.06.2022</a:t>
             </a:fld>
             <a:endParaRPr lang="nb-NO"/>
           </a:p>
@@ -3617,7 +3617,7 @@
           <p:cNvPr id="106" name="Picture 105" descr="A picture containing text&#10;&#10;Description automatically generated">
             <a:extLst>
               <a:ext uri="{FF2B5EF4-FFF2-40B4-BE49-F238E27FC236}">
-                <a16:creationId xmlns:a16="http://schemas.microsoft.com/office/drawing/2014/main" id="{CF40DEB3-7C54-462D-BD01-AD15F716977F}"/>
+                <a16:creationId xmlns:a16="http://schemas.microsoft.com/office/drawing/2014/main" xmlns="" id="{CF40DEB3-7C54-462D-BD01-AD15F716977F}"/>
               </a:ext>
             </a:extLst>
           </p:cNvPr>
@@ -3630,7 +3630,7 @@
           <a:blip r:embed="rId2" cstate="print">
             <a:extLst>
               <a:ext uri="{BEBA8EAE-BF5A-486C-A8C5-ECC9F3942E4B}">
-                <a14:imgProps xmlns:a14="http://schemas.microsoft.com/office/drawing/2010/main">
+                <a14:imgProps xmlns:a14="http://schemas.microsoft.com/office/drawing/2010/main" xmlns="">
                   <a14:imgLayer r:embed="rId3">
                     <a14:imgEffect>
                       <a14:saturation sat="0"/>
@@ -3639,7 +3639,7 @@
                 </a14:imgProps>
               </a:ext>
               <a:ext uri="{28A0092B-C50C-407E-A947-70E740481C1C}">
-                <a14:useLocalDpi xmlns:a14="http://schemas.microsoft.com/office/drawing/2010/main" val="0"/>
+                <a14:useLocalDpi xmlns:a14="http://schemas.microsoft.com/office/drawing/2010/main" xmlns="" val="0"/>
               </a:ext>
             </a:extLst>
           </a:blip>
@@ -3661,7 +3661,7 @@
           <p:cNvPr id="108" name="Freeform: Shape 107">
             <a:extLst>
               <a:ext uri="{FF2B5EF4-FFF2-40B4-BE49-F238E27FC236}">
-                <a16:creationId xmlns:a16="http://schemas.microsoft.com/office/drawing/2014/main" id="{B61DD1B7-D984-420A-AD05-BA89AE865B93}"/>
+                <a16:creationId xmlns:a16="http://schemas.microsoft.com/office/drawing/2014/main" xmlns="" id="{B61DD1B7-D984-420A-AD05-BA89AE865B93}"/>
               </a:ext>
             </a:extLst>
           </p:cNvPr>
@@ -4569,7 +4569,7 @@
           <p:cNvPr id="79" name="Group 78">
             <a:extLst>
               <a:ext uri="{FF2B5EF4-FFF2-40B4-BE49-F238E27FC236}">
-                <a16:creationId xmlns:a16="http://schemas.microsoft.com/office/drawing/2014/main" id="{33461E15-C5D1-4B19-94F9-9075ED62D8E2}"/>
+                <a16:creationId xmlns:a16="http://schemas.microsoft.com/office/drawing/2014/main" xmlns="" id="{33461E15-C5D1-4B19-94F9-9075ED62D8E2}"/>
               </a:ext>
             </a:extLst>
           </p:cNvPr>
@@ -4589,7 +4589,7 @@
             <p:cNvPr id="80" name="TekstSylinder 9">
               <a:extLst>
                 <a:ext uri="{FF2B5EF4-FFF2-40B4-BE49-F238E27FC236}">
-                  <a16:creationId xmlns:a16="http://schemas.microsoft.com/office/drawing/2014/main" id="{B06FA1A2-D6C0-460B-8454-E6AEFCDAA6B1}"/>
+                  <a16:creationId xmlns:a16="http://schemas.microsoft.com/office/drawing/2014/main" xmlns="" id="{B06FA1A2-D6C0-460B-8454-E6AEFCDAA6B1}"/>
                 </a:ext>
               </a:extLst>
             </p:cNvPr>
@@ -4630,7 +4630,7 @@
             <p:cNvPr id="81" name="Isosceles Triangle 80">
               <a:extLst>
                 <a:ext uri="{FF2B5EF4-FFF2-40B4-BE49-F238E27FC236}">
-                  <a16:creationId xmlns:a16="http://schemas.microsoft.com/office/drawing/2014/main" id="{5FCD3639-9B5F-40F5-9CD1-72C89F4B050A}"/>
+                  <a16:creationId xmlns:a16="http://schemas.microsoft.com/office/drawing/2014/main" xmlns="" id="{5FCD3639-9B5F-40F5-9CD1-72C89F4B050A}"/>
                 </a:ext>
               </a:extLst>
             </p:cNvPr>
@@ -4687,7 +4687,7 @@
           <p:cNvPr id="109" name="Group 108">
             <a:extLst>
               <a:ext uri="{FF2B5EF4-FFF2-40B4-BE49-F238E27FC236}">
-                <a16:creationId xmlns:a16="http://schemas.microsoft.com/office/drawing/2014/main" id="{C6B5FDC9-4B85-4F2C-8F7C-1F3BCB906CBD}"/>
+                <a16:creationId xmlns:a16="http://schemas.microsoft.com/office/drawing/2014/main" xmlns="" id="{C6B5FDC9-4B85-4F2C-8F7C-1F3BCB906CBD}"/>
               </a:ext>
             </a:extLst>
           </p:cNvPr>
@@ -4707,7 +4707,7 @@
             <p:cNvPr id="110" name="TekstSylinder 9">
               <a:extLst>
                 <a:ext uri="{FF2B5EF4-FFF2-40B4-BE49-F238E27FC236}">
-                  <a16:creationId xmlns:a16="http://schemas.microsoft.com/office/drawing/2014/main" id="{57AB2839-25EE-4A77-8161-6DD47530EC64}"/>
+                  <a16:creationId xmlns:a16="http://schemas.microsoft.com/office/drawing/2014/main" xmlns="" id="{57AB2839-25EE-4A77-8161-6DD47530EC64}"/>
                 </a:ext>
               </a:extLst>
             </p:cNvPr>
@@ -4748,7 +4748,7 @@
             <p:cNvPr id="111" name="Isosceles Triangle 110">
               <a:extLst>
                 <a:ext uri="{FF2B5EF4-FFF2-40B4-BE49-F238E27FC236}">
-                  <a16:creationId xmlns:a16="http://schemas.microsoft.com/office/drawing/2014/main" id="{3CED6978-576F-47EC-BB1E-3B0BCA61D001}"/>
+                  <a16:creationId xmlns:a16="http://schemas.microsoft.com/office/drawing/2014/main" xmlns="" id="{3CED6978-576F-47EC-BB1E-3B0BCA61D001}"/>
                 </a:ext>
               </a:extLst>
             </p:cNvPr>
@@ -4805,7 +4805,7 @@
           <p:cNvPr id="112" name="Group 111">
             <a:extLst>
               <a:ext uri="{FF2B5EF4-FFF2-40B4-BE49-F238E27FC236}">
-                <a16:creationId xmlns:a16="http://schemas.microsoft.com/office/drawing/2014/main" id="{F6A6438B-9C14-441D-AB78-E82C30FE1BDF}"/>
+                <a16:creationId xmlns:a16="http://schemas.microsoft.com/office/drawing/2014/main" xmlns="" id="{F6A6438B-9C14-441D-AB78-E82C30FE1BDF}"/>
               </a:ext>
             </a:extLst>
           </p:cNvPr>
@@ -4825,7 +4825,7 @@
             <p:cNvPr id="113" name="TekstSylinder 9">
               <a:extLst>
                 <a:ext uri="{FF2B5EF4-FFF2-40B4-BE49-F238E27FC236}">
-                  <a16:creationId xmlns:a16="http://schemas.microsoft.com/office/drawing/2014/main" id="{74FB48D5-58F8-4883-9C16-FA2963101FB8}"/>
+                  <a16:creationId xmlns:a16="http://schemas.microsoft.com/office/drawing/2014/main" xmlns="" id="{74FB48D5-58F8-4883-9C16-FA2963101FB8}"/>
                 </a:ext>
               </a:extLst>
             </p:cNvPr>
@@ -4866,7 +4866,7 @@
             <p:cNvPr id="114" name="Isosceles Triangle 113">
               <a:extLst>
                 <a:ext uri="{FF2B5EF4-FFF2-40B4-BE49-F238E27FC236}">
-                  <a16:creationId xmlns:a16="http://schemas.microsoft.com/office/drawing/2014/main" id="{36FFF256-1FF4-48D1-BF96-C642D463E9A5}"/>
+                  <a16:creationId xmlns:a16="http://schemas.microsoft.com/office/drawing/2014/main" xmlns="" id="{36FFF256-1FF4-48D1-BF96-C642D463E9A5}"/>
                 </a:ext>
               </a:extLst>
             </p:cNvPr>
@@ -4923,7 +4923,7 @@
           <p:cNvPr id="115" name="Group 114">
             <a:extLst>
               <a:ext uri="{FF2B5EF4-FFF2-40B4-BE49-F238E27FC236}">
-                <a16:creationId xmlns:a16="http://schemas.microsoft.com/office/drawing/2014/main" id="{80611DE4-8A4B-4EA1-B8BF-70A264E5B741}"/>
+                <a16:creationId xmlns:a16="http://schemas.microsoft.com/office/drawing/2014/main" xmlns="" id="{80611DE4-8A4B-4EA1-B8BF-70A264E5B741}"/>
               </a:ext>
             </a:extLst>
           </p:cNvPr>
@@ -4943,7 +4943,7 @@
             <p:cNvPr id="116" name="TekstSylinder 9">
               <a:extLst>
                 <a:ext uri="{FF2B5EF4-FFF2-40B4-BE49-F238E27FC236}">
-                  <a16:creationId xmlns:a16="http://schemas.microsoft.com/office/drawing/2014/main" id="{A706CB99-0262-4551-9558-5B5156E183A4}"/>
+                  <a16:creationId xmlns:a16="http://schemas.microsoft.com/office/drawing/2014/main" xmlns="" id="{A706CB99-0262-4551-9558-5B5156E183A4}"/>
                 </a:ext>
               </a:extLst>
             </p:cNvPr>
@@ -4984,7 +4984,7 @@
             <p:cNvPr id="117" name="Isosceles Triangle 116">
               <a:extLst>
                 <a:ext uri="{FF2B5EF4-FFF2-40B4-BE49-F238E27FC236}">
-                  <a16:creationId xmlns:a16="http://schemas.microsoft.com/office/drawing/2014/main" id="{FCFA5332-DFF1-4BC8-9C0D-63C9D53A4A91}"/>
+                  <a16:creationId xmlns:a16="http://schemas.microsoft.com/office/drawing/2014/main" xmlns="" id="{FCFA5332-DFF1-4BC8-9C0D-63C9D53A4A91}"/>
                 </a:ext>
               </a:extLst>
             </p:cNvPr>
@@ -5041,7 +5041,7 @@
           <p:cNvPr id="118" name="Group 117">
             <a:extLst>
               <a:ext uri="{FF2B5EF4-FFF2-40B4-BE49-F238E27FC236}">
-                <a16:creationId xmlns:a16="http://schemas.microsoft.com/office/drawing/2014/main" id="{F22A5E66-F601-43FA-8CD2-58FDC12BCEB9}"/>
+                <a16:creationId xmlns:a16="http://schemas.microsoft.com/office/drawing/2014/main" xmlns="" id="{F22A5E66-F601-43FA-8CD2-58FDC12BCEB9}"/>
               </a:ext>
             </a:extLst>
           </p:cNvPr>
@@ -5061,7 +5061,7 @@
             <p:cNvPr id="119" name="TekstSylinder 9">
               <a:extLst>
                 <a:ext uri="{FF2B5EF4-FFF2-40B4-BE49-F238E27FC236}">
-                  <a16:creationId xmlns:a16="http://schemas.microsoft.com/office/drawing/2014/main" id="{6CB73BBD-8015-41D6-94DB-7B7D0D610F4D}"/>
+                  <a16:creationId xmlns:a16="http://schemas.microsoft.com/office/drawing/2014/main" xmlns="" id="{6CB73BBD-8015-41D6-94DB-7B7D0D610F4D}"/>
                 </a:ext>
               </a:extLst>
             </p:cNvPr>
@@ -5102,7 +5102,7 @@
             <p:cNvPr id="120" name="Isosceles Triangle 119">
               <a:extLst>
                 <a:ext uri="{FF2B5EF4-FFF2-40B4-BE49-F238E27FC236}">
-                  <a16:creationId xmlns:a16="http://schemas.microsoft.com/office/drawing/2014/main" id="{93F390A0-1042-4C1E-94CC-DC5185EB969E}"/>
+                  <a16:creationId xmlns:a16="http://schemas.microsoft.com/office/drawing/2014/main" xmlns="" id="{93F390A0-1042-4C1E-94CC-DC5185EB969E}"/>
                 </a:ext>
               </a:extLst>
             </p:cNvPr>
@@ -5159,7 +5159,7 @@
           <p:cNvPr id="121" name="Group 120">
             <a:extLst>
               <a:ext uri="{FF2B5EF4-FFF2-40B4-BE49-F238E27FC236}">
-                <a16:creationId xmlns:a16="http://schemas.microsoft.com/office/drawing/2014/main" id="{135B5FD2-ECB2-41AE-A03E-3BFE075AFE80}"/>
+                <a16:creationId xmlns:a16="http://schemas.microsoft.com/office/drawing/2014/main" xmlns="" id="{135B5FD2-ECB2-41AE-A03E-3BFE075AFE80}"/>
               </a:ext>
             </a:extLst>
           </p:cNvPr>
@@ -5179,7 +5179,7 @@
             <p:cNvPr id="122" name="TekstSylinder 9">
               <a:extLst>
                 <a:ext uri="{FF2B5EF4-FFF2-40B4-BE49-F238E27FC236}">
-                  <a16:creationId xmlns:a16="http://schemas.microsoft.com/office/drawing/2014/main" id="{9496793F-997F-496F-B60D-9F162B6DD4CE}"/>
+                  <a16:creationId xmlns:a16="http://schemas.microsoft.com/office/drawing/2014/main" xmlns="" id="{9496793F-997F-496F-B60D-9F162B6DD4CE}"/>
                 </a:ext>
               </a:extLst>
             </p:cNvPr>
@@ -5220,7 +5220,7 @@
             <p:cNvPr id="123" name="Isosceles Triangle 122">
               <a:extLst>
                 <a:ext uri="{FF2B5EF4-FFF2-40B4-BE49-F238E27FC236}">
-                  <a16:creationId xmlns:a16="http://schemas.microsoft.com/office/drawing/2014/main" id="{DA940B0B-D5D2-47AE-837D-68A757E08B12}"/>
+                  <a16:creationId xmlns:a16="http://schemas.microsoft.com/office/drawing/2014/main" xmlns="" id="{DA940B0B-D5D2-47AE-837D-68A757E08B12}"/>
                 </a:ext>
               </a:extLst>
             </p:cNvPr>
@@ -5277,7 +5277,7 @@
           <p:cNvPr id="124" name="Group 123">
             <a:extLst>
               <a:ext uri="{FF2B5EF4-FFF2-40B4-BE49-F238E27FC236}">
-                <a16:creationId xmlns:a16="http://schemas.microsoft.com/office/drawing/2014/main" id="{D799CF00-29B0-4D9E-B6C7-87687E8F2F05}"/>
+                <a16:creationId xmlns:a16="http://schemas.microsoft.com/office/drawing/2014/main" xmlns="" id="{D799CF00-29B0-4D9E-B6C7-87687E8F2F05}"/>
               </a:ext>
             </a:extLst>
           </p:cNvPr>
@@ -5297,7 +5297,7 @@
             <p:cNvPr id="125" name="TekstSylinder 9">
               <a:extLst>
                 <a:ext uri="{FF2B5EF4-FFF2-40B4-BE49-F238E27FC236}">
-                  <a16:creationId xmlns:a16="http://schemas.microsoft.com/office/drawing/2014/main" id="{75414F36-ED6C-4881-AC92-28891A43263F}"/>
+                  <a16:creationId xmlns:a16="http://schemas.microsoft.com/office/drawing/2014/main" xmlns="" id="{75414F36-ED6C-4881-AC92-28891A43263F}"/>
                 </a:ext>
               </a:extLst>
             </p:cNvPr>
@@ -5338,7 +5338,7 @@
             <p:cNvPr id="126" name="Isosceles Triangle 125">
               <a:extLst>
                 <a:ext uri="{FF2B5EF4-FFF2-40B4-BE49-F238E27FC236}">
-                  <a16:creationId xmlns:a16="http://schemas.microsoft.com/office/drawing/2014/main" id="{996D2175-7AF5-4945-9417-EF2A93BCC201}"/>
+                  <a16:creationId xmlns:a16="http://schemas.microsoft.com/office/drawing/2014/main" xmlns="" id="{996D2175-7AF5-4945-9417-EF2A93BCC201}"/>
                 </a:ext>
               </a:extLst>
             </p:cNvPr>
@@ -5395,7 +5395,7 @@
           <p:cNvPr id="127" name="Group 126">
             <a:extLst>
               <a:ext uri="{FF2B5EF4-FFF2-40B4-BE49-F238E27FC236}">
-                <a16:creationId xmlns:a16="http://schemas.microsoft.com/office/drawing/2014/main" id="{95173A82-BF4B-4B00-BB0E-2B5B7AA0CBB3}"/>
+                <a16:creationId xmlns:a16="http://schemas.microsoft.com/office/drawing/2014/main" xmlns="" id="{95173A82-BF4B-4B00-BB0E-2B5B7AA0CBB3}"/>
               </a:ext>
             </a:extLst>
           </p:cNvPr>
@@ -5415,7 +5415,7 @@
             <p:cNvPr id="128" name="TekstSylinder 9">
               <a:extLst>
                 <a:ext uri="{FF2B5EF4-FFF2-40B4-BE49-F238E27FC236}">
-                  <a16:creationId xmlns:a16="http://schemas.microsoft.com/office/drawing/2014/main" id="{A88EDA9D-0C86-4E9C-83B8-3022AD255EBE}"/>
+                  <a16:creationId xmlns:a16="http://schemas.microsoft.com/office/drawing/2014/main" xmlns="" id="{A88EDA9D-0C86-4E9C-83B8-3022AD255EBE}"/>
                 </a:ext>
               </a:extLst>
             </p:cNvPr>
@@ -5456,7 +5456,7 @@
             <p:cNvPr id="129" name="Isosceles Triangle 128">
               <a:extLst>
                 <a:ext uri="{FF2B5EF4-FFF2-40B4-BE49-F238E27FC236}">
-                  <a16:creationId xmlns:a16="http://schemas.microsoft.com/office/drawing/2014/main" id="{F96ED1B6-F351-4890-9C12-A340357CCEF2}"/>
+                  <a16:creationId xmlns:a16="http://schemas.microsoft.com/office/drawing/2014/main" xmlns="" id="{F96ED1B6-F351-4890-9C12-A340357CCEF2}"/>
                 </a:ext>
               </a:extLst>
             </p:cNvPr>
@@ -5513,7 +5513,7 @@
           <p:cNvPr id="130" name="Group 129">
             <a:extLst>
               <a:ext uri="{FF2B5EF4-FFF2-40B4-BE49-F238E27FC236}">
-                <a16:creationId xmlns:a16="http://schemas.microsoft.com/office/drawing/2014/main" id="{D03DE522-E742-4841-A7A3-805B3051E663}"/>
+                <a16:creationId xmlns:a16="http://schemas.microsoft.com/office/drawing/2014/main" xmlns="" id="{D03DE522-E742-4841-A7A3-805B3051E663}"/>
               </a:ext>
             </a:extLst>
           </p:cNvPr>
@@ -5533,7 +5533,7 @@
             <p:cNvPr id="131" name="TekstSylinder 9">
               <a:extLst>
                 <a:ext uri="{FF2B5EF4-FFF2-40B4-BE49-F238E27FC236}">
-                  <a16:creationId xmlns:a16="http://schemas.microsoft.com/office/drawing/2014/main" id="{66EA2B53-55DD-43F5-A70A-79EF10E5DA48}"/>
+                  <a16:creationId xmlns:a16="http://schemas.microsoft.com/office/drawing/2014/main" xmlns="" id="{66EA2B53-55DD-43F5-A70A-79EF10E5DA48}"/>
                 </a:ext>
               </a:extLst>
             </p:cNvPr>
@@ -5574,7 +5574,7 @@
             <p:cNvPr id="132" name="Isosceles Triangle 131">
               <a:extLst>
                 <a:ext uri="{FF2B5EF4-FFF2-40B4-BE49-F238E27FC236}">
-                  <a16:creationId xmlns:a16="http://schemas.microsoft.com/office/drawing/2014/main" id="{491560E3-D9CF-452F-9E57-B5AB262E0A9E}"/>
+                  <a16:creationId xmlns:a16="http://schemas.microsoft.com/office/drawing/2014/main" xmlns="" id="{491560E3-D9CF-452F-9E57-B5AB262E0A9E}"/>
                 </a:ext>
               </a:extLst>
             </p:cNvPr>
@@ -5631,7 +5631,7 @@
           <p:cNvPr id="136" name="Group 135">
             <a:extLst>
               <a:ext uri="{FF2B5EF4-FFF2-40B4-BE49-F238E27FC236}">
-                <a16:creationId xmlns:a16="http://schemas.microsoft.com/office/drawing/2014/main" id="{046DD87F-D681-49B6-AEFF-3F36AAFAE2EA}"/>
+                <a16:creationId xmlns:a16="http://schemas.microsoft.com/office/drawing/2014/main" xmlns="" id="{046DD87F-D681-49B6-AEFF-3F36AAFAE2EA}"/>
               </a:ext>
             </a:extLst>
           </p:cNvPr>
@@ -5651,7 +5651,7 @@
             <p:cNvPr id="137" name="TekstSylinder 9">
               <a:extLst>
                 <a:ext uri="{FF2B5EF4-FFF2-40B4-BE49-F238E27FC236}">
-                  <a16:creationId xmlns:a16="http://schemas.microsoft.com/office/drawing/2014/main" id="{AA469335-E92F-4B10-8E10-A04415742F9D}"/>
+                  <a16:creationId xmlns:a16="http://schemas.microsoft.com/office/drawing/2014/main" xmlns="" id="{AA469335-E92F-4B10-8E10-A04415742F9D}"/>
                 </a:ext>
               </a:extLst>
             </p:cNvPr>
@@ -5692,7 +5692,7 @@
             <p:cNvPr id="138" name="Isosceles Triangle 137">
               <a:extLst>
                 <a:ext uri="{FF2B5EF4-FFF2-40B4-BE49-F238E27FC236}">
-                  <a16:creationId xmlns:a16="http://schemas.microsoft.com/office/drawing/2014/main" id="{8AB0DB93-B11F-4325-9D5E-0463E05C94E2}"/>
+                  <a16:creationId xmlns:a16="http://schemas.microsoft.com/office/drawing/2014/main" xmlns="" id="{8AB0DB93-B11F-4325-9D5E-0463E05C94E2}"/>
                 </a:ext>
               </a:extLst>
             </p:cNvPr>
@@ -5749,7 +5749,7 @@
           <p:cNvPr id="1025" name="Freeform: Shape 1024">
             <a:extLst>
               <a:ext uri="{FF2B5EF4-FFF2-40B4-BE49-F238E27FC236}">
-                <a16:creationId xmlns:a16="http://schemas.microsoft.com/office/drawing/2014/main" id="{4E832294-D275-4E06-A5DA-AC2583987F1E}"/>
+                <a16:creationId xmlns:a16="http://schemas.microsoft.com/office/drawing/2014/main" xmlns="" id="{4E832294-D275-4E06-A5DA-AC2583987F1E}"/>
               </a:ext>
             </a:extLst>
           </p:cNvPr>
@@ -5894,7 +5894,7 @@
           <p:cNvPr id="1028" name="Freeform: Shape 1027">
             <a:extLst>
               <a:ext uri="{FF2B5EF4-FFF2-40B4-BE49-F238E27FC236}">
-                <a16:creationId xmlns:a16="http://schemas.microsoft.com/office/drawing/2014/main" id="{D5BA3DBB-BC55-4AC7-BD55-B4FDBEC9C834}"/>
+                <a16:creationId xmlns:a16="http://schemas.microsoft.com/office/drawing/2014/main" xmlns="" id="{D5BA3DBB-BC55-4AC7-BD55-B4FDBEC9C834}"/>
               </a:ext>
             </a:extLst>
           </p:cNvPr>
